--- a/Capstone project presentation.pptx
+++ b/Capstone project presentation.pptx
@@ -10,7 +10,8 @@
     <p:sldId id="258" r:id="rId4"/>
     <p:sldId id="259" r:id="rId5"/>
     <p:sldId id="260" r:id="rId6"/>
-    <p:sldId id="261" r:id="rId7"/>
+    <p:sldId id="262" r:id="rId7"/>
+    <p:sldId id="261" r:id="rId8"/>
   </p:sldIdLst>
   <p:sldSz cx="12192000" cy="6858000"/>
   <p:notesSz cx="6858000" cy="9144000"/>
@@ -3462,7 +3463,12 @@
             <p:ph type="title"/>
           </p:nvPr>
         </p:nvSpPr>
-        <p:spPr/>
+        <p:spPr>
+          <a:xfrm>
+            <a:off x="385812" y="0"/>
+            <a:ext cx="10515600" cy="1325563"/>
+          </a:xfrm>
+        </p:spPr>
         <p:txBody>
           <a:bodyPr>
             <a:normAutofit/>
@@ -3493,14 +3499,19 @@
             <p:ph idx="1"/>
           </p:nvPr>
         </p:nvSpPr>
-        <p:spPr/>
+        <p:spPr>
+          <a:xfrm>
+            <a:off x="385811" y="926073"/>
+            <a:ext cx="11039375" cy="4351338"/>
+          </a:xfrm>
+        </p:spPr>
         <p:txBody>
           <a:bodyPr/>
           <a:lstStyle/>
           <a:p>
             <a:r>
               <a:rPr lang="en-SG" dirty="0"/>
-              <a:t>We aim to understand what are the factors affecting severity of car accident.</a:t>
+              <a:t>For the final Capstone project, we aim to understand what are the factors affecting severity of car accident using various data science techniques we have learned.</a:t>
             </a:r>
           </a:p>
           <a:p>
@@ -3511,6 +3522,100 @@
           </a:p>
         </p:txBody>
       </p:sp>
+      <p:pic>
+        <p:nvPicPr>
+          <p:cNvPr id="1026" name="Picture 2" descr="Seattle ranks 2nd worst commute time in US, report finds | KOMO">
+            <a:extLst>
+              <a:ext uri="{FF2B5EF4-FFF2-40B4-BE49-F238E27FC236}">
+                <a16:creationId xmlns:a16="http://schemas.microsoft.com/office/drawing/2014/main" id="{5E8198E8-78F3-4448-974D-B33FD9499A60}"/>
+              </a:ext>
+            </a:extLst>
+          </p:cNvPr>
+          <p:cNvPicPr>
+            <a:picLocks noChangeAspect="1" noChangeArrowheads="1"/>
+          </p:cNvPicPr>
+          <p:nvPr/>
+        </p:nvPicPr>
+        <p:blipFill>
+          <a:blip r:embed="rId2">
+            <a:extLst>
+              <a:ext uri="{28A0092B-C50C-407E-A947-70E740481C1C}">
+                <a14:useLocalDpi xmlns:a14="http://schemas.microsoft.com/office/drawing/2010/main" val="0"/>
+              </a:ext>
+            </a:extLst>
+          </a:blip>
+          <a:srcRect/>
+          <a:stretch>
+            <a:fillRect/>
+          </a:stretch>
+        </p:blipFill>
+        <p:spPr bwMode="auto">
+          <a:xfrm>
+            <a:off x="961523" y="4019752"/>
+            <a:ext cx="3899521" cy="2183732"/>
+          </a:xfrm>
+          <a:prstGeom prst="rect">
+            <a:avLst/>
+          </a:prstGeom>
+          <a:noFill/>
+          <a:extLst>
+            <a:ext uri="{909E8E84-426E-40DD-AFC4-6F175D3DCCD1}">
+              <a14:hiddenFill xmlns:a14="http://schemas.microsoft.com/office/drawing/2010/main">
+                <a:solidFill>
+                  <a:srgbClr val="FFFFFF"/>
+                </a:solidFill>
+              </a14:hiddenFill>
+            </a:ext>
+          </a:extLst>
+        </p:spPr>
+      </p:pic>
+      <p:pic>
+        <p:nvPicPr>
+          <p:cNvPr id="1028" name="Picture 4" descr="Seattle traffic congestion is ninth worst in U.S.; eight cities in top 10  are vying for Amazon's HQ2 - GeekWire">
+            <a:extLst>
+              <a:ext uri="{FF2B5EF4-FFF2-40B4-BE49-F238E27FC236}">
+                <a16:creationId xmlns:a16="http://schemas.microsoft.com/office/drawing/2014/main" id="{327463A0-5FB3-43B8-B1A4-4076E80468E9}"/>
+              </a:ext>
+            </a:extLst>
+          </p:cNvPr>
+          <p:cNvPicPr>
+            <a:picLocks noChangeAspect="1" noChangeArrowheads="1"/>
+          </p:cNvPicPr>
+          <p:nvPr/>
+        </p:nvPicPr>
+        <p:blipFill>
+          <a:blip r:embed="rId3">
+            <a:extLst>
+              <a:ext uri="{28A0092B-C50C-407E-A947-70E740481C1C}">
+                <a14:useLocalDpi xmlns:a14="http://schemas.microsoft.com/office/drawing/2010/main" val="0"/>
+              </a:ext>
+            </a:extLst>
+          </a:blip>
+          <a:srcRect/>
+          <a:stretch>
+            <a:fillRect/>
+          </a:stretch>
+        </p:blipFill>
+        <p:spPr bwMode="auto">
+          <a:xfrm>
+            <a:off x="5643612" y="4019753"/>
+            <a:ext cx="4968357" cy="2183732"/>
+          </a:xfrm>
+          <a:prstGeom prst="rect">
+            <a:avLst/>
+          </a:prstGeom>
+          <a:noFill/>
+          <a:extLst>
+            <a:ext uri="{909E8E84-426E-40DD-AFC4-6F175D3DCCD1}">
+              <a14:hiddenFill xmlns:a14="http://schemas.microsoft.com/office/drawing/2010/main">
+                <a:solidFill>
+                  <a:srgbClr val="FFFFFF"/>
+                </a:solidFill>
+              </a14:hiddenFill>
+            </a:ext>
+          </a:extLst>
+        </p:spPr>
+      </p:pic>
     </p:spTree>
     <p:extLst>
       <p:ext uri="{BB962C8B-B14F-4D97-AF65-F5344CB8AC3E}">
@@ -3557,7 +3662,12 @@
             <p:ph type="title"/>
           </p:nvPr>
         </p:nvSpPr>
-        <p:spPr/>
+        <p:spPr>
+          <a:xfrm>
+            <a:off x="193307" y="0"/>
+            <a:ext cx="10515600" cy="818147"/>
+          </a:xfrm>
+        </p:spPr>
         <p:txBody>
           <a:bodyPr>
             <a:normAutofit/>
@@ -3587,62 +3697,473 @@
             <p:ph idx="1"/>
           </p:nvPr>
         </p:nvSpPr>
-        <p:spPr/>
-        <p:txBody>
-          <a:bodyPr/>
-          <a:lstStyle/>
-          <a:p>
-            <a:r>
-              <a:rPr lang="en-SG" dirty="0"/>
+        <p:spPr>
+          <a:xfrm>
+            <a:off x="260684" y="774124"/>
+            <a:ext cx="10515600" cy="4351338"/>
+          </a:xfrm>
+        </p:spPr>
+        <p:txBody>
+          <a:bodyPr>
+            <a:normAutofit/>
+          </a:bodyPr>
+          <a:lstStyle/>
+          <a:p>
+            <a:r>
+              <a:rPr lang="en-SG" sz="2400" dirty="0"/>
               <a:t>The data is provided by SDOT Traffic management division which include all car collisions from 2004 to present in Seattle and has been updated weekly. </a:t>
             </a:r>
           </a:p>
           <a:p>
             <a:r>
-              <a:rPr lang="en-SG" dirty="0"/>
+              <a:rPr lang="en-SG" sz="2400" dirty="0"/>
               <a:t>The data consists of 38 columns (parameters) and 194673 entries, each entry represent one accident. </a:t>
             </a:r>
           </a:p>
           <a:p>
-            <a:endParaRPr lang="en-SG" dirty="0"/>
+            <a:r>
+              <a:rPr lang="en-SG" sz="2400" dirty="0"/>
+              <a:t>From the Metadata file, we get an understanding of the various attributes which may contribute to the target variable: severity of the car accident (SEVERITYCODE ) The definition of the severity codes are provided in the metadata and shown below.</a:t>
+            </a:r>
+          </a:p>
+          <a:p>
+            <a:endParaRPr lang="en-SG" sz="2400" dirty="0"/>
           </a:p>
         </p:txBody>
       </p:sp>
       <p:pic>
         <p:nvPicPr>
-          <p:cNvPr id="4" name="Picture 3">
-            <a:extLst>
-              <a:ext uri="{FF2B5EF4-FFF2-40B4-BE49-F238E27FC236}">
-                <a16:creationId xmlns:a16="http://schemas.microsoft.com/office/drawing/2014/main" id="{E12686F4-F23D-46FD-8E92-D5CF8114BBDB}"/>
-              </a:ext>
-            </a:extLst>
-          </p:cNvPr>
-          <p:cNvPicPr/>
+          <p:cNvPr id="5" name="Picture 4">
+            <a:extLst>
+              <a:ext uri="{FF2B5EF4-FFF2-40B4-BE49-F238E27FC236}">
+                <a16:creationId xmlns:a16="http://schemas.microsoft.com/office/drawing/2014/main" id="{AC425F23-7349-49AD-AC31-BDE0ECB47101}"/>
+              </a:ext>
+            </a:extLst>
+          </p:cNvPr>
+          <p:cNvPicPr>
+            <a:picLocks noChangeAspect="1"/>
+          </p:cNvPicPr>
           <p:nvPr/>
         </p:nvPicPr>
         <p:blipFill rotWithShape="1">
           <a:blip r:embed="rId2"/>
-          <a:srcRect l="6366" t="40659" r="24270" b="15541"/>
+          <a:srcRect t="24652" r="2342" b="9931"/>
           <a:stretch/>
         </p:blipFill>
-        <p:spPr bwMode="auto">
+        <p:spPr>
           <a:xfrm>
-            <a:off x="1996791" y="3984860"/>
-            <a:ext cx="5818923" cy="2652912"/>
+            <a:off x="376188" y="3890855"/>
+            <a:ext cx="6553227" cy="2469214"/>
           </a:xfrm>
           <a:prstGeom prst="rect">
             <a:avLst/>
           </a:prstGeom>
-          <a:ln>
-            <a:noFill/>
-          </a:ln>
-          <a:extLst>
-            <a:ext uri="{53640926-AAD7-44D8-BBD7-CCE9431645EC}">
-              <a14:shadowObscured xmlns:a14="http://schemas.microsoft.com/office/drawing/2010/main"/>
-            </a:ext>
-          </a:extLst>
         </p:spPr>
       </p:pic>
+      <p:graphicFrame>
+        <p:nvGraphicFramePr>
+          <p:cNvPr id="6" name="Table 5">
+            <a:extLst>
+              <a:ext uri="{FF2B5EF4-FFF2-40B4-BE49-F238E27FC236}">
+                <a16:creationId xmlns:a16="http://schemas.microsoft.com/office/drawing/2014/main" id="{12848D4C-2EAB-4D7C-9E37-F6597A7CA601}"/>
+              </a:ext>
+            </a:extLst>
+          </p:cNvPr>
+          <p:cNvGraphicFramePr>
+            <a:graphicFrameLocks noGrp="1"/>
+          </p:cNvGraphicFramePr>
+          <p:nvPr>
+            <p:extLst>
+              <p:ext uri="{D42A27DB-BD31-4B8C-83A1-F6EECF244321}">
+                <p14:modId xmlns:p14="http://schemas.microsoft.com/office/powerpoint/2010/main" val="2406687283"/>
+              </p:ext>
+            </p:extLst>
+          </p:nvPr>
+        </p:nvGraphicFramePr>
+        <p:xfrm>
+          <a:off x="7331342" y="3975234"/>
+          <a:ext cx="3140944" cy="2191739"/>
+        </p:xfrm>
+        <a:graphic>
+          <a:graphicData uri="http://schemas.openxmlformats.org/drawingml/2006/table">
+            <a:tbl>
+              <a:tblPr firstRow="1" firstCol="1" bandRow="1">
+                <a:tableStyleId>{5C22544A-7EE6-4342-B048-85BDC9FD1C3A}</a:tableStyleId>
+              </a:tblPr>
+              <a:tblGrid>
+                <a:gridCol w="1606995">
+                  <a:extLst>
+                    <a:ext uri="{9D8B030D-6E8A-4147-A177-3AD203B41FA5}">
+                      <a16:colId xmlns:a16="http://schemas.microsoft.com/office/drawing/2014/main" val="378448464"/>
+                    </a:ext>
+                  </a:extLst>
+                </a:gridCol>
+                <a:gridCol w="1533949">
+                  <a:extLst>
+                    <a:ext uri="{9D8B030D-6E8A-4147-A177-3AD203B41FA5}">
+                      <a16:colId xmlns:a16="http://schemas.microsoft.com/office/drawing/2014/main" val="769455511"/>
+                    </a:ext>
+                  </a:extLst>
+                </a:gridCol>
+              </a:tblGrid>
+              <a:tr h="294974">
+                <a:tc>
+                  <a:txBody>
+                    <a:bodyPr/>
+                    <a:lstStyle/>
+                    <a:p>
+                      <a:pPr>
+                        <a:lnSpc>
+                          <a:spcPts val="1575"/>
+                        </a:lnSpc>
+                      </a:pPr>
+                      <a:r>
+                        <a:rPr lang="en-SG" sz="1600">
+                          <a:effectLst/>
+                        </a:rPr>
+                        <a:t>Severity Code</a:t>
+                      </a:r>
+                      <a:endParaRPr lang="en-SG" sz="1600">
+                        <a:effectLst/>
+                        <a:latin typeface="Calibri" panose="020F0502020204030204" pitchFamily="34" charset="0"/>
+                        <a:ea typeface="Times New Roman" panose="02020603050405020304" pitchFamily="18" charset="0"/>
+                        <a:cs typeface="Times New Roman" panose="02020603050405020304" pitchFamily="18" charset="0"/>
+                      </a:endParaRPr>
+                    </a:p>
+                  </a:txBody>
+                  <a:tcPr marL="68580" marR="68580" marT="0" marB="0"/>
+                </a:tc>
+                <a:tc>
+                  <a:txBody>
+                    <a:bodyPr/>
+                    <a:lstStyle/>
+                    <a:p>
+                      <a:pPr>
+                        <a:lnSpc>
+                          <a:spcPts val="1575"/>
+                        </a:lnSpc>
+                      </a:pPr>
+                      <a:r>
+                        <a:rPr lang="en-SG" sz="1600">
+                          <a:effectLst/>
+                        </a:rPr>
+                        <a:t>Meaning</a:t>
+                      </a:r>
+                      <a:endParaRPr lang="en-SG" sz="1600">
+                        <a:effectLst/>
+                        <a:latin typeface="Calibri" panose="020F0502020204030204" pitchFamily="34" charset="0"/>
+                        <a:ea typeface="Times New Roman" panose="02020603050405020304" pitchFamily="18" charset="0"/>
+                        <a:cs typeface="Times New Roman" panose="02020603050405020304" pitchFamily="18" charset="0"/>
+                      </a:endParaRPr>
+                    </a:p>
+                  </a:txBody>
+                  <a:tcPr marL="68580" marR="68580" marT="0" marB="0"/>
+                </a:tc>
+                <a:extLst>
+                  <a:ext uri="{0D108BD9-81ED-4DB2-BD59-A6C34878D82A}">
+                    <a16:rowId xmlns:a16="http://schemas.microsoft.com/office/drawing/2014/main" val="1860549767"/>
+                  </a:ext>
+                </a:extLst>
+              </a:tr>
+              <a:tr h="379353">
+                <a:tc>
+                  <a:txBody>
+                    <a:bodyPr/>
+                    <a:lstStyle/>
+                    <a:p>
+                      <a:pPr>
+                        <a:lnSpc>
+                          <a:spcPts val="1575"/>
+                        </a:lnSpc>
+                      </a:pPr>
+                      <a:r>
+                        <a:rPr lang="en-SG" sz="1600" dirty="0">
+                          <a:effectLst/>
+                        </a:rPr>
+                        <a:t>0</a:t>
+                      </a:r>
+                      <a:endParaRPr lang="en-SG" sz="1600" dirty="0">
+                        <a:effectLst/>
+                        <a:latin typeface="Calibri" panose="020F0502020204030204" pitchFamily="34" charset="0"/>
+                        <a:ea typeface="Times New Roman" panose="02020603050405020304" pitchFamily="18" charset="0"/>
+                        <a:cs typeface="Times New Roman" panose="02020603050405020304" pitchFamily="18" charset="0"/>
+                      </a:endParaRPr>
+                    </a:p>
+                  </a:txBody>
+                  <a:tcPr marL="68580" marR="68580" marT="0" marB="0"/>
+                </a:tc>
+                <a:tc>
+                  <a:txBody>
+                    <a:bodyPr/>
+                    <a:lstStyle/>
+                    <a:p>
+                      <a:pPr>
+                        <a:lnSpc>
+                          <a:spcPts val="1575"/>
+                        </a:lnSpc>
+                      </a:pPr>
+                      <a:r>
+                        <a:rPr lang="en-SG" sz="1600">
+                          <a:effectLst/>
+                        </a:rPr>
+                        <a:t>Unknown</a:t>
+                      </a:r>
+                      <a:endParaRPr lang="en-SG" sz="1600">
+                        <a:effectLst/>
+                        <a:latin typeface="Calibri" panose="020F0502020204030204" pitchFamily="34" charset="0"/>
+                        <a:ea typeface="Times New Roman" panose="02020603050405020304" pitchFamily="18" charset="0"/>
+                        <a:cs typeface="Times New Roman" panose="02020603050405020304" pitchFamily="18" charset="0"/>
+                      </a:endParaRPr>
+                    </a:p>
+                  </a:txBody>
+                  <a:tcPr marL="68580" marR="68580" marT="0" marB="0"/>
+                </a:tc>
+                <a:extLst>
+                  <a:ext uri="{0D108BD9-81ED-4DB2-BD59-A6C34878D82A}">
+                    <a16:rowId xmlns:a16="http://schemas.microsoft.com/office/drawing/2014/main" val="1677801765"/>
+                  </a:ext>
+                </a:extLst>
+              </a:tr>
+              <a:tr h="379353">
+                <a:tc>
+                  <a:txBody>
+                    <a:bodyPr/>
+                    <a:lstStyle/>
+                    <a:p>
+                      <a:pPr>
+                        <a:lnSpc>
+                          <a:spcPts val="1575"/>
+                        </a:lnSpc>
+                      </a:pPr>
+                      <a:r>
+                        <a:rPr lang="en-SG" sz="1600" dirty="0">
+                          <a:effectLst/>
+                        </a:rPr>
+                        <a:t>1</a:t>
+                      </a:r>
+                      <a:endParaRPr lang="en-SG" sz="1600" dirty="0">
+                        <a:effectLst/>
+                        <a:latin typeface="Calibri" panose="020F0502020204030204" pitchFamily="34" charset="0"/>
+                        <a:ea typeface="Times New Roman" panose="02020603050405020304" pitchFamily="18" charset="0"/>
+                        <a:cs typeface="Times New Roman" panose="02020603050405020304" pitchFamily="18" charset="0"/>
+                      </a:endParaRPr>
+                    </a:p>
+                  </a:txBody>
+                  <a:tcPr marL="68580" marR="68580" marT="0" marB="0"/>
+                </a:tc>
+                <a:tc>
+                  <a:txBody>
+                    <a:bodyPr/>
+                    <a:lstStyle/>
+                    <a:p>
+                      <a:pPr>
+                        <a:lnSpc>
+                          <a:spcPts val="1575"/>
+                        </a:lnSpc>
+                      </a:pPr>
+                      <a:r>
+                        <a:rPr lang="en-SG" sz="1600" dirty="0">
+                          <a:effectLst/>
+                        </a:rPr>
+                        <a:t>Prop damage</a:t>
+                      </a:r>
+                      <a:endParaRPr lang="en-SG" sz="1600" dirty="0">
+                        <a:effectLst/>
+                        <a:latin typeface="Calibri" panose="020F0502020204030204" pitchFamily="34" charset="0"/>
+                        <a:ea typeface="Times New Roman" panose="02020603050405020304" pitchFamily="18" charset="0"/>
+                        <a:cs typeface="Times New Roman" panose="02020603050405020304" pitchFamily="18" charset="0"/>
+                      </a:endParaRPr>
+                    </a:p>
+                  </a:txBody>
+                  <a:tcPr marL="68580" marR="68580" marT="0" marB="0"/>
+                </a:tc>
+                <a:extLst>
+                  <a:ext uri="{0D108BD9-81ED-4DB2-BD59-A6C34878D82A}">
+                    <a16:rowId xmlns:a16="http://schemas.microsoft.com/office/drawing/2014/main" val="2256043666"/>
+                  </a:ext>
+                </a:extLst>
+              </a:tr>
+              <a:tr h="379353">
+                <a:tc>
+                  <a:txBody>
+                    <a:bodyPr/>
+                    <a:lstStyle/>
+                    <a:p>
+                      <a:pPr>
+                        <a:lnSpc>
+                          <a:spcPts val="1575"/>
+                        </a:lnSpc>
+                      </a:pPr>
+                      <a:r>
+                        <a:rPr lang="en-SG" sz="1600">
+                          <a:effectLst/>
+                        </a:rPr>
+                        <a:t>2 </a:t>
+                      </a:r>
+                      <a:endParaRPr lang="en-SG" sz="1600">
+                        <a:effectLst/>
+                        <a:latin typeface="Calibri" panose="020F0502020204030204" pitchFamily="34" charset="0"/>
+                        <a:ea typeface="Times New Roman" panose="02020603050405020304" pitchFamily="18" charset="0"/>
+                        <a:cs typeface="Times New Roman" panose="02020603050405020304" pitchFamily="18" charset="0"/>
+                      </a:endParaRPr>
+                    </a:p>
+                  </a:txBody>
+                  <a:tcPr marL="68580" marR="68580" marT="0" marB="0"/>
+                </a:tc>
+                <a:tc>
+                  <a:txBody>
+                    <a:bodyPr/>
+                    <a:lstStyle/>
+                    <a:p>
+                      <a:pPr>
+                        <a:lnSpc>
+                          <a:spcPts val="1575"/>
+                        </a:lnSpc>
+                      </a:pPr>
+                      <a:r>
+                        <a:rPr lang="en-SG" sz="1600" dirty="0">
+                          <a:effectLst/>
+                        </a:rPr>
+                        <a:t>Injury</a:t>
+                      </a:r>
+                      <a:endParaRPr lang="en-SG" sz="1600" dirty="0">
+                        <a:effectLst/>
+                        <a:latin typeface="Calibri" panose="020F0502020204030204" pitchFamily="34" charset="0"/>
+                        <a:ea typeface="Times New Roman" panose="02020603050405020304" pitchFamily="18" charset="0"/>
+                        <a:cs typeface="Times New Roman" panose="02020603050405020304" pitchFamily="18" charset="0"/>
+                      </a:endParaRPr>
+                    </a:p>
+                  </a:txBody>
+                  <a:tcPr marL="68580" marR="68580" marT="0" marB="0"/>
+                </a:tc>
+                <a:extLst>
+                  <a:ext uri="{0D108BD9-81ED-4DB2-BD59-A6C34878D82A}">
+                    <a16:rowId xmlns:a16="http://schemas.microsoft.com/office/drawing/2014/main" val="2229664016"/>
+                  </a:ext>
+                </a:extLst>
+              </a:tr>
+              <a:tr h="379353">
+                <a:tc>
+                  <a:txBody>
+                    <a:bodyPr/>
+                    <a:lstStyle/>
+                    <a:p>
+                      <a:pPr>
+                        <a:lnSpc>
+                          <a:spcPts val="1575"/>
+                        </a:lnSpc>
+                      </a:pPr>
+                      <a:r>
+                        <a:rPr lang="en-SG" sz="1600">
+                          <a:effectLst/>
+                        </a:rPr>
+                        <a:t>2b</a:t>
+                      </a:r>
+                      <a:endParaRPr lang="en-SG" sz="1600">
+                        <a:effectLst/>
+                        <a:latin typeface="Calibri" panose="020F0502020204030204" pitchFamily="34" charset="0"/>
+                        <a:ea typeface="Times New Roman" panose="02020603050405020304" pitchFamily="18" charset="0"/>
+                        <a:cs typeface="Times New Roman" panose="02020603050405020304" pitchFamily="18" charset="0"/>
+                      </a:endParaRPr>
+                    </a:p>
+                  </a:txBody>
+                  <a:tcPr marL="68580" marR="68580" marT="0" marB="0"/>
+                </a:tc>
+                <a:tc>
+                  <a:txBody>
+                    <a:bodyPr/>
+                    <a:lstStyle/>
+                    <a:p>
+                      <a:pPr>
+                        <a:lnSpc>
+                          <a:spcPts val="1575"/>
+                        </a:lnSpc>
+                      </a:pPr>
+                      <a:r>
+                        <a:rPr lang="en-SG" sz="1600">
+                          <a:effectLst/>
+                        </a:rPr>
+                        <a:t>Serious injury</a:t>
+                      </a:r>
+                      <a:endParaRPr lang="en-SG" sz="1600">
+                        <a:effectLst/>
+                        <a:latin typeface="Calibri" panose="020F0502020204030204" pitchFamily="34" charset="0"/>
+                        <a:ea typeface="Times New Roman" panose="02020603050405020304" pitchFamily="18" charset="0"/>
+                        <a:cs typeface="Times New Roman" panose="02020603050405020304" pitchFamily="18" charset="0"/>
+                      </a:endParaRPr>
+                    </a:p>
+                  </a:txBody>
+                  <a:tcPr marL="68580" marR="68580" marT="0" marB="0"/>
+                </a:tc>
+                <a:extLst>
+                  <a:ext uri="{0D108BD9-81ED-4DB2-BD59-A6C34878D82A}">
+                    <a16:rowId xmlns:a16="http://schemas.microsoft.com/office/drawing/2014/main" val="3239709716"/>
+                  </a:ext>
+                </a:extLst>
+              </a:tr>
+              <a:tr h="379353">
+                <a:tc>
+                  <a:txBody>
+                    <a:bodyPr/>
+                    <a:lstStyle/>
+                    <a:p>
+                      <a:pPr>
+                        <a:lnSpc>
+                          <a:spcPts val="1575"/>
+                        </a:lnSpc>
+                      </a:pPr>
+                      <a:r>
+                        <a:rPr lang="en-SG" sz="1600">
+                          <a:effectLst/>
+                        </a:rPr>
+                        <a:t>3</a:t>
+                      </a:r>
+                      <a:endParaRPr lang="en-SG" sz="1600">
+                        <a:effectLst/>
+                        <a:latin typeface="Calibri" panose="020F0502020204030204" pitchFamily="34" charset="0"/>
+                        <a:ea typeface="Times New Roman" panose="02020603050405020304" pitchFamily="18" charset="0"/>
+                        <a:cs typeface="Times New Roman" panose="02020603050405020304" pitchFamily="18" charset="0"/>
+                      </a:endParaRPr>
+                    </a:p>
+                  </a:txBody>
+                  <a:tcPr marL="68580" marR="68580" marT="0" marB="0"/>
+                </a:tc>
+                <a:tc>
+                  <a:txBody>
+                    <a:bodyPr/>
+                    <a:lstStyle/>
+                    <a:p>
+                      <a:pPr>
+                        <a:lnSpc>
+                          <a:spcPts val="1575"/>
+                        </a:lnSpc>
+                      </a:pPr>
+                      <a:r>
+                        <a:rPr lang="en-SG" sz="1600" dirty="0">
+                          <a:effectLst/>
+                        </a:rPr>
+                        <a:t>Fatality</a:t>
+                      </a:r>
+                      <a:endParaRPr lang="en-SG" sz="1600" dirty="0">
+                        <a:effectLst/>
+                        <a:latin typeface="Calibri" panose="020F0502020204030204" pitchFamily="34" charset="0"/>
+                        <a:ea typeface="Times New Roman" panose="02020603050405020304" pitchFamily="18" charset="0"/>
+                        <a:cs typeface="Times New Roman" panose="02020603050405020304" pitchFamily="18" charset="0"/>
+                      </a:endParaRPr>
+                    </a:p>
+                  </a:txBody>
+                  <a:tcPr marL="68580" marR="68580" marT="0" marB="0"/>
+                </a:tc>
+                <a:extLst>
+                  <a:ext uri="{0D108BD9-81ED-4DB2-BD59-A6C34878D82A}">
+                    <a16:rowId xmlns:a16="http://schemas.microsoft.com/office/drawing/2014/main" val="464781844"/>
+                  </a:ext>
+                </a:extLst>
+              </a:tr>
+            </a:tbl>
+          </a:graphicData>
+        </a:graphic>
+      </p:graphicFrame>
     </p:spTree>
     <p:extLst>
       <p:ext uri="{BB962C8B-B14F-4D97-AF65-F5344CB8AC3E}">
@@ -3689,7 +4210,12 @@
             <p:ph type="title"/>
           </p:nvPr>
         </p:nvSpPr>
-        <p:spPr/>
+        <p:spPr>
+          <a:xfrm>
+            <a:off x="501316" y="18255"/>
+            <a:ext cx="10515600" cy="1325563"/>
+          </a:xfrm>
+        </p:spPr>
         <p:txBody>
           <a:bodyPr/>
           <a:lstStyle/>
@@ -3721,7 +4247,12 @@
             <p:ph idx="1"/>
           </p:nvPr>
         </p:nvSpPr>
-        <p:spPr/>
+        <p:spPr>
+          <a:xfrm>
+            <a:off x="501316" y="681036"/>
+            <a:ext cx="11189368" cy="5127809"/>
+          </a:xfrm>
+        </p:spPr>
         <p:txBody>
           <a:bodyPr/>
           <a:lstStyle/>
@@ -3737,14 +4268,49 @@
               <a:t>We have carried out a series of clean-up process to render the data suitable for next step analysis. </a:t>
             </a:r>
           </a:p>
+          <a:p>
+            <a:pPr lvl="1"/>
+            <a:r>
+              <a:rPr lang="en-SG" dirty="0"/>
+              <a:t>We removed 8 columns which contain unnecessary/redundant information.</a:t>
+            </a:r>
+          </a:p>
+          <a:p>
+            <a:pPr lvl="1"/>
+            <a:r>
+              <a:rPr lang="en-SG" dirty="0"/>
+              <a:t>We removed rows with missing values </a:t>
+            </a:r>
+          </a:p>
+          <a:p>
+            <a:pPr lvl="1"/>
+            <a:r>
+              <a:rPr lang="en-SG" dirty="0"/>
+              <a:t>We dropped columns with high number of missing values</a:t>
+            </a:r>
+          </a:p>
+          <a:p>
+            <a:pPr lvl="1"/>
+            <a:r>
+              <a:rPr lang="en-SG" dirty="0"/>
+              <a:t>The categorical variables have been removed as well. </a:t>
+            </a:r>
+          </a:p>
+          <a:p>
+            <a:pPr lvl="1"/>
+            <a:r>
+              <a:rPr lang="en-SG" dirty="0"/>
+              <a:t>Final data consist of 12 columns and 194673 entries.</a:t>
+            </a:r>
+          </a:p>
         </p:txBody>
       </p:sp>
       <p:pic>
         <p:nvPicPr>
-          <p:cNvPr id="4" name="Picture 3">
-            <a:extLst>
-              <a:ext uri="{FF2B5EF4-FFF2-40B4-BE49-F238E27FC236}">
-                <a16:creationId xmlns:a16="http://schemas.microsoft.com/office/drawing/2014/main" id="{56E7683C-FD15-424C-9C67-30FB6CA7B51C}"/>
+          <p:cNvPr id="5" name="Picture 4">
+            <a:extLst>
+              <a:ext uri="{FF2B5EF4-FFF2-40B4-BE49-F238E27FC236}">
+                <a16:creationId xmlns:a16="http://schemas.microsoft.com/office/drawing/2014/main" id="{0B524BE6-4A69-45EC-A839-1AB0C5B9BC44}"/>
               </a:ext>
             </a:extLst>
           </p:cNvPr>
@@ -3753,13 +4319,13 @@
         </p:nvPicPr>
         <p:blipFill rotWithShape="1">
           <a:blip r:embed="rId2"/>
-          <a:srcRect l="39850" t="43480" r="19244" b="8668"/>
+          <a:srcRect l="2485" t="43479" r="3398" b="11332"/>
           <a:stretch/>
         </p:blipFill>
         <p:spPr bwMode="auto">
           <a:xfrm>
-            <a:off x="2096135" y="4138863"/>
-            <a:ext cx="3842652" cy="2440639"/>
+            <a:off x="1869055" y="4552749"/>
+            <a:ext cx="6658928" cy="2051499"/>
           </a:xfrm>
           <a:prstGeom prst="rect">
             <a:avLst/>
@@ -3820,7 +4386,12 @@
             <p:ph type="title"/>
           </p:nvPr>
         </p:nvSpPr>
-        <p:spPr/>
+        <p:spPr>
+          <a:xfrm>
+            <a:off x="376187" y="66381"/>
+            <a:ext cx="10515600" cy="902595"/>
+          </a:xfrm>
+        </p:spPr>
         <p:txBody>
           <a:bodyPr>
             <a:normAutofit/>
@@ -3852,48 +4423,190 @@
         </p:nvSpPr>
         <p:spPr>
           <a:xfrm>
-            <a:off x="751573" y="1777499"/>
-            <a:ext cx="10515600" cy="4351338"/>
+            <a:off x="376186" y="757220"/>
+            <a:ext cx="10933497" cy="4351338"/>
           </a:xfrm>
         </p:spPr>
         <p:txBody>
-          <a:bodyPr/>
-          <a:lstStyle/>
-          <a:p>
-            <a:r>
-              <a:rPr lang="en-SG" dirty="0"/>
+          <a:bodyPr>
+            <a:normAutofit/>
+          </a:bodyPr>
+          <a:lstStyle/>
+          <a:p>
+            <a:r>
+              <a:rPr lang="en-SG" sz="2400" dirty="0"/>
               <a:t>We visualized the data on the major factors which are likely to play a role in accident severity</a:t>
             </a:r>
           </a:p>
           <a:p>
             <a:r>
-              <a:rPr lang="en-SG" dirty="0"/>
+              <a:rPr lang="en-SG" sz="2400" dirty="0"/>
               <a:t>Majority of accidents are property damage only collisions. </a:t>
             </a:r>
           </a:p>
           <a:p>
             <a:r>
-              <a:rPr lang="en-SG" dirty="0"/>
+              <a:rPr lang="en-SG" sz="2400" dirty="0"/>
               <a:t>Number of people involved in accidents range from 0-5 (most) to 60.</a:t>
             </a:r>
           </a:p>
           <a:p>
             <a:r>
-              <a:rPr lang="en-SG" dirty="0"/>
+              <a:rPr lang="en-SG" sz="2400" dirty="0"/>
               <a:t>Most accidents happen at clear weather condition. </a:t>
             </a:r>
           </a:p>
           <a:p>
             <a:r>
-              <a:rPr lang="en-SG" dirty="0"/>
+              <a:rPr lang="en-SG" sz="2400" dirty="0"/>
               <a:t>Most accidents happen at daylight or at night with street light on. </a:t>
             </a:r>
           </a:p>
           <a:p>
-            <a:endParaRPr lang="en-SG" dirty="0"/>
-          </a:p>
-        </p:txBody>
-      </p:sp>
+            <a:endParaRPr lang="en-SG" sz="2400" dirty="0"/>
+          </a:p>
+        </p:txBody>
+      </p:sp>
+      <p:pic>
+        <p:nvPicPr>
+          <p:cNvPr id="4" name="Picture 3">
+            <a:extLst>
+              <a:ext uri="{FF2B5EF4-FFF2-40B4-BE49-F238E27FC236}">
+                <a16:creationId xmlns:a16="http://schemas.microsoft.com/office/drawing/2014/main" id="{D67A6C10-843A-481D-95AE-7E1C6B71A847}"/>
+              </a:ext>
+            </a:extLst>
+          </p:cNvPr>
+          <p:cNvPicPr/>
+          <p:nvPr/>
+        </p:nvPicPr>
+        <p:blipFill rotWithShape="1">
+          <a:blip r:embed="rId2"/>
+          <a:srcRect l="5256" t="35667" r="61201" b="6048"/>
+          <a:stretch/>
+        </p:blipFill>
+        <p:spPr bwMode="auto">
+          <a:xfrm>
+            <a:off x="570931" y="3551053"/>
+            <a:ext cx="2772410" cy="2710180"/>
+          </a:xfrm>
+          <a:prstGeom prst="rect">
+            <a:avLst/>
+          </a:prstGeom>
+          <a:ln>
+            <a:noFill/>
+          </a:ln>
+          <a:extLst>
+            <a:ext uri="{53640926-AAD7-44D8-BBD7-CCE9431645EC}">
+              <a14:shadowObscured xmlns:a14="http://schemas.microsoft.com/office/drawing/2010/main"/>
+            </a:ext>
+          </a:extLst>
+        </p:spPr>
+      </p:pic>
+      <p:pic>
+        <p:nvPicPr>
+          <p:cNvPr id="5" name="Picture 4">
+            <a:extLst>
+              <a:ext uri="{FF2B5EF4-FFF2-40B4-BE49-F238E27FC236}">
+                <a16:creationId xmlns:a16="http://schemas.microsoft.com/office/drawing/2014/main" id="{B623E03B-6822-4DB2-A1A0-285A311F75C7}"/>
+              </a:ext>
+            </a:extLst>
+          </p:cNvPr>
+          <p:cNvPicPr/>
+          <p:nvPr/>
+        </p:nvPicPr>
+        <p:blipFill rotWithShape="1">
+          <a:blip r:embed="rId3"/>
+          <a:srcRect l="8696" t="39403" r="60244" b="10826"/>
+          <a:stretch/>
+        </p:blipFill>
+        <p:spPr bwMode="auto">
+          <a:xfrm>
+            <a:off x="3622374" y="3551053"/>
+            <a:ext cx="2694940" cy="2429510"/>
+          </a:xfrm>
+          <a:prstGeom prst="rect">
+            <a:avLst/>
+          </a:prstGeom>
+          <a:ln>
+            <a:noFill/>
+          </a:ln>
+          <a:extLst>
+            <a:ext uri="{53640926-AAD7-44D8-BBD7-CCE9431645EC}">
+              <a14:shadowObscured xmlns:a14="http://schemas.microsoft.com/office/drawing/2010/main"/>
+            </a:ext>
+          </a:extLst>
+        </p:spPr>
+      </p:pic>
+      <p:pic>
+        <p:nvPicPr>
+          <p:cNvPr id="6" name="Picture 5">
+            <a:extLst>
+              <a:ext uri="{FF2B5EF4-FFF2-40B4-BE49-F238E27FC236}">
+                <a16:creationId xmlns:a16="http://schemas.microsoft.com/office/drawing/2014/main" id="{0A678E1F-12EB-4F3F-AF8A-DEC614B1C3EB}"/>
+              </a:ext>
+            </a:extLst>
+          </p:cNvPr>
+          <p:cNvPicPr/>
+          <p:nvPr/>
+        </p:nvPicPr>
+        <p:blipFill rotWithShape="1">
+          <a:blip r:embed="rId3"/>
+          <a:srcRect l="8696" t="39403" r="60244" b="10826"/>
+          <a:stretch/>
+        </p:blipFill>
+        <p:spPr bwMode="auto">
+          <a:xfrm>
+            <a:off x="6298463" y="3551053"/>
+            <a:ext cx="2694940" cy="2429510"/>
+          </a:xfrm>
+          <a:prstGeom prst="rect">
+            <a:avLst/>
+          </a:prstGeom>
+          <a:ln>
+            <a:noFill/>
+          </a:ln>
+          <a:extLst>
+            <a:ext uri="{53640926-AAD7-44D8-BBD7-CCE9431645EC}">
+              <a14:shadowObscured xmlns:a14="http://schemas.microsoft.com/office/drawing/2010/main"/>
+            </a:ext>
+          </a:extLst>
+        </p:spPr>
+      </p:pic>
+      <p:pic>
+        <p:nvPicPr>
+          <p:cNvPr id="7" name="Picture 6">
+            <a:extLst>
+              <a:ext uri="{FF2B5EF4-FFF2-40B4-BE49-F238E27FC236}">
+                <a16:creationId xmlns:a16="http://schemas.microsoft.com/office/drawing/2014/main" id="{F0693247-C302-4119-B855-288BDB41112B}"/>
+              </a:ext>
+            </a:extLst>
+          </p:cNvPr>
+          <p:cNvPicPr/>
+          <p:nvPr/>
+        </p:nvPicPr>
+        <p:blipFill rotWithShape="1">
+          <a:blip r:embed="rId4"/>
+          <a:srcRect l="9366" t="35836" r="60920" b="8585"/>
+          <a:stretch/>
+        </p:blipFill>
+        <p:spPr bwMode="auto">
+          <a:xfrm>
+            <a:off x="9051824" y="3671271"/>
+            <a:ext cx="2335755" cy="2429510"/>
+          </a:xfrm>
+          <a:prstGeom prst="rect">
+            <a:avLst/>
+          </a:prstGeom>
+          <a:ln>
+            <a:noFill/>
+          </a:ln>
+          <a:extLst>
+            <a:ext uri="{53640926-AAD7-44D8-BBD7-CCE9431645EC}">
+              <a14:shadowObscured xmlns:a14="http://schemas.microsoft.com/office/drawing/2010/main"/>
+            </a:ext>
+          </a:extLst>
+        </p:spPr>
+      </p:pic>
     </p:spTree>
     <p:extLst>
       <p:ext uri="{BB962C8B-B14F-4D97-AF65-F5344CB8AC3E}">
@@ -3908,6 +4621,120 @@
 </file>
 
 <file path=ppt/slides/slide6.xml><?xml version="1.0" encoding="utf-8"?>
+<p:sld xmlns:a="http://schemas.openxmlformats.org/drawingml/2006/main" xmlns:r="http://schemas.openxmlformats.org/officeDocument/2006/relationships" xmlns:p="http://schemas.openxmlformats.org/presentationml/2006/main">
+  <p:cSld>
+    <p:spTree>
+      <p:nvGrpSpPr>
+        <p:cNvPr id="1" name=""/>
+        <p:cNvGrpSpPr/>
+        <p:nvPr/>
+      </p:nvGrpSpPr>
+      <p:grpSpPr>
+        <a:xfrm>
+          <a:off x="0" y="0"/>
+          <a:ext cx="0" cy="0"/>
+          <a:chOff x="0" y="0"/>
+          <a:chExt cx="0" cy="0"/>
+        </a:xfrm>
+      </p:grpSpPr>
+      <p:sp>
+        <p:nvSpPr>
+          <p:cNvPr id="2" name="Title 1">
+            <a:extLst>
+              <a:ext uri="{FF2B5EF4-FFF2-40B4-BE49-F238E27FC236}">
+                <a16:creationId xmlns:a16="http://schemas.microsoft.com/office/drawing/2014/main" id="{3013E456-BDBD-470A-ACFA-00A10B687D42}"/>
+              </a:ext>
+            </a:extLst>
+          </p:cNvPr>
+          <p:cNvSpPr>
+            <a:spLocks noGrp="1"/>
+          </p:cNvSpPr>
+          <p:nvPr>
+            <p:ph type="title"/>
+          </p:nvPr>
+        </p:nvSpPr>
+        <p:spPr/>
+        <p:txBody>
+          <a:bodyPr>
+            <a:normAutofit/>
+          </a:bodyPr>
+          <a:lstStyle/>
+          <a:p>
+            <a:r>
+              <a:rPr lang="en-SG" sz="2400" b="1" dirty="0"/>
+              <a:t>Discussion</a:t>
+            </a:r>
+          </a:p>
+        </p:txBody>
+      </p:sp>
+      <p:sp>
+        <p:nvSpPr>
+          <p:cNvPr id="3" name="Content Placeholder 2">
+            <a:extLst>
+              <a:ext uri="{FF2B5EF4-FFF2-40B4-BE49-F238E27FC236}">
+                <a16:creationId xmlns:a16="http://schemas.microsoft.com/office/drawing/2014/main" id="{77EC5264-FED7-445C-A754-4205856A3584}"/>
+              </a:ext>
+            </a:extLst>
+          </p:cNvPr>
+          <p:cNvSpPr>
+            <a:spLocks noGrp="1"/>
+          </p:cNvSpPr>
+          <p:nvPr>
+            <p:ph idx="1"/>
+          </p:nvPr>
+        </p:nvSpPr>
+        <p:spPr/>
+        <p:txBody>
+          <a:bodyPr>
+            <a:normAutofit/>
+          </a:bodyPr>
+          <a:lstStyle/>
+          <a:p>
+            <a:r>
+              <a:rPr lang="en-SG" sz="2400" dirty="0"/>
+              <a:t>Most crashes happened in clear, dry, and bright conditions.</a:t>
+            </a:r>
+          </a:p>
+          <a:p>
+            <a:r>
+              <a:rPr lang="en-SG" sz="2400" dirty="0"/>
+              <a:t>This is likely due to the factors that during these conditions, traffic are higher and hence the likelihood of traffic accidents may increase. </a:t>
+            </a:r>
+          </a:p>
+          <a:p>
+            <a:r>
+              <a:rPr lang="en-SG" sz="2400" dirty="0"/>
+              <a:t>It is also found that crashes with a distracted driver or an impaired driver are more likely to result in injury. </a:t>
+            </a:r>
+          </a:p>
+          <a:p>
+            <a:r>
+              <a:rPr lang="en-SG" sz="2400" dirty="0"/>
+              <a:t>Certain neighbourhood/road junctions are also likely to have higher incidence of car accidents</a:t>
+            </a:r>
+          </a:p>
+          <a:p>
+            <a:r>
+              <a:rPr lang="en-SG" sz="2400" dirty="0"/>
+              <a:t>The results of the data indicate to city planners and traffic police that during ‘ideal’ driving conditions, drivers should be more alert on the surroundings and practice defence driving. </a:t>
+            </a:r>
+          </a:p>
+        </p:txBody>
+      </p:sp>
+    </p:spTree>
+    <p:extLst>
+      <p:ext uri="{BB962C8B-B14F-4D97-AF65-F5344CB8AC3E}">
+        <p14:creationId xmlns:p14="http://schemas.microsoft.com/office/powerpoint/2010/main" val="804033010"/>
+      </p:ext>
+    </p:extLst>
+  </p:cSld>
+  <p:clrMapOvr>
+    <a:masterClrMapping/>
+  </p:clrMapOvr>
+</p:sld>
+</file>
+
+<file path=ppt/slides/slide7.xml><?xml version="1.0" encoding="utf-8"?>
 <p:sld xmlns:a="http://schemas.openxmlformats.org/drawingml/2006/main" xmlns:r="http://schemas.openxmlformats.org/officeDocument/2006/relationships" xmlns:p="http://schemas.openxmlformats.org/presentationml/2006/main">
   <p:cSld>
     <p:spTree>
